--- a/figures/psdtw-intuition.pptx
+++ b/figures/psdtw-intuition.pptx
@@ -261,7 +261,7 @@
           <a:p>
             <a:fld id="{3856C8F1-7A7E-ED4D-B118-346949A716F4}" type="datetimeFigureOut">
               <a:rPr lang="en-US" smtClean="0"/>
-              <a:t>12/9/25</a:t>
+              <a:t>12/17/25</a:t>
             </a:fld>
             <a:endParaRPr lang="en-US"/>
           </a:p>
@@ -461,7 +461,7 @@
           <a:p>
             <a:fld id="{3856C8F1-7A7E-ED4D-B118-346949A716F4}" type="datetimeFigureOut">
               <a:rPr lang="en-US" smtClean="0"/>
-              <a:t>12/9/25</a:t>
+              <a:t>12/17/25</a:t>
             </a:fld>
             <a:endParaRPr lang="en-US"/>
           </a:p>
@@ -671,7 +671,7 @@
           <a:p>
             <a:fld id="{3856C8F1-7A7E-ED4D-B118-346949A716F4}" type="datetimeFigureOut">
               <a:rPr lang="en-US" smtClean="0"/>
-              <a:t>12/9/25</a:t>
+              <a:t>12/17/25</a:t>
             </a:fld>
             <a:endParaRPr lang="en-US"/>
           </a:p>
@@ -871,7 +871,7 @@
           <a:p>
             <a:fld id="{3856C8F1-7A7E-ED4D-B118-346949A716F4}" type="datetimeFigureOut">
               <a:rPr lang="en-US" smtClean="0"/>
-              <a:t>12/9/25</a:t>
+              <a:t>12/17/25</a:t>
             </a:fld>
             <a:endParaRPr lang="en-US"/>
           </a:p>
@@ -1147,7 +1147,7 @@
           <a:p>
             <a:fld id="{3856C8F1-7A7E-ED4D-B118-346949A716F4}" type="datetimeFigureOut">
               <a:rPr lang="en-US" smtClean="0"/>
-              <a:t>12/9/25</a:t>
+              <a:t>12/17/25</a:t>
             </a:fld>
             <a:endParaRPr lang="en-US"/>
           </a:p>
@@ -1415,7 +1415,7 @@
           <a:p>
             <a:fld id="{3856C8F1-7A7E-ED4D-B118-346949A716F4}" type="datetimeFigureOut">
               <a:rPr lang="en-US" smtClean="0"/>
-              <a:t>12/9/25</a:t>
+              <a:t>12/17/25</a:t>
             </a:fld>
             <a:endParaRPr lang="en-US"/>
           </a:p>
@@ -1830,7 +1830,7 @@
           <a:p>
             <a:fld id="{3856C8F1-7A7E-ED4D-B118-346949A716F4}" type="datetimeFigureOut">
               <a:rPr lang="en-US" smtClean="0"/>
-              <a:t>12/9/25</a:t>
+              <a:t>12/17/25</a:t>
             </a:fld>
             <a:endParaRPr lang="en-US"/>
           </a:p>
@@ -1972,7 +1972,7 @@
           <a:p>
             <a:fld id="{3856C8F1-7A7E-ED4D-B118-346949A716F4}" type="datetimeFigureOut">
               <a:rPr lang="en-US" smtClean="0"/>
-              <a:t>12/9/25</a:t>
+              <a:t>12/17/25</a:t>
             </a:fld>
             <a:endParaRPr lang="en-US"/>
           </a:p>
@@ -2085,7 +2085,7 @@
           <a:p>
             <a:fld id="{3856C8F1-7A7E-ED4D-B118-346949A716F4}" type="datetimeFigureOut">
               <a:rPr lang="en-US" smtClean="0"/>
-              <a:t>12/9/25</a:t>
+              <a:t>12/17/25</a:t>
             </a:fld>
             <a:endParaRPr lang="en-US"/>
           </a:p>
@@ -2398,7 +2398,7 @@
           <a:p>
             <a:fld id="{3856C8F1-7A7E-ED4D-B118-346949A716F4}" type="datetimeFigureOut">
               <a:rPr lang="en-US" smtClean="0"/>
-              <a:t>12/9/25</a:t>
+              <a:t>12/17/25</a:t>
             </a:fld>
             <a:endParaRPr lang="en-US"/>
           </a:p>
@@ -2687,7 +2687,7 @@
           <a:p>
             <a:fld id="{3856C8F1-7A7E-ED4D-B118-346949A716F4}" type="datetimeFigureOut">
               <a:rPr lang="en-US" smtClean="0"/>
-              <a:t>12/9/25</a:t>
+              <a:t>12/17/25</a:t>
             </a:fld>
             <a:endParaRPr lang="en-US"/>
           </a:p>
@@ -2930,7 +2930,7 @@
           <a:p>
             <a:fld id="{3856C8F1-7A7E-ED4D-B118-346949A716F4}" type="datetimeFigureOut">
               <a:rPr lang="en-US" smtClean="0"/>
-              <a:t>12/9/25</a:t>
+              <a:t>12/17/25</a:t>
             </a:fld>
             <a:endParaRPr lang="en-US"/>
           </a:p>
@@ -4704,7 +4704,7 @@
             <p:spPr>
               <a:xfrm>
                 <a:off x="3209758" y="2935828"/>
-                <a:ext cx="1094171" cy="338554"/>
+                <a:ext cx="1226477" cy="338554"/>
               </a:xfrm>
               <a:prstGeom prst="rect">
                 <a:avLst/>
@@ -4762,7 +4762,7 @@
                               <a:latin typeface="Cambria Math" panose="02040503050406030204" pitchFamily="18" charset="0"/>
                               <a:cs typeface="Times New Roman" panose="02020603050405020304" pitchFamily="18" charset="0"/>
                             </a:rPr>
-                            <m:t>1</m:t>
+                            <m:t>2</m:t>
                           </m:r>
                         </m:sub>
                       </m:sSub>
@@ -4802,7 +4802,7 @@
             <p:spPr>
               <a:xfrm>
                 <a:off x="3209758" y="2935828"/>
-                <a:ext cx="1094171" cy="338554"/>
+                <a:ext cx="1226477" cy="338554"/>
               </a:xfrm>
               <a:prstGeom prst="rect">
                 <a:avLst/>
@@ -4904,7 +4904,7 @@
                               <a:latin typeface="Cambria Math" panose="02040503050406030204" pitchFamily="18" charset="0"/>
                               <a:cs typeface="Times New Roman" panose="02020603050405020304" pitchFamily="18" charset="0"/>
                             </a:rPr>
-                            <m:t>1</m:t>
+                            <m:t>2</m:t>
                           </m:r>
                         </m:sub>
                       </m:sSub>
@@ -4946,7 +4946,7 @@
                               <a:latin typeface="Cambria Math" panose="02040503050406030204" pitchFamily="18" charset="0"/>
                               <a:cs typeface="Times New Roman" panose="02020603050405020304" pitchFamily="18" charset="0"/>
                             </a:rPr>
-                            <m:t>2</m:t>
+                            <m:t>3</m:t>
                           </m:r>
                         </m:sub>
                       </m:sSub>
@@ -5088,7 +5088,7 @@
                               <a:latin typeface="Cambria Math" panose="02040503050406030204" pitchFamily="18" charset="0"/>
                               <a:cs typeface="Times New Roman" panose="02020603050405020304" pitchFamily="18" charset="0"/>
                             </a:rPr>
-                            <m:t>2</m:t>
+                            <m:t>3</m:t>
                           </m:r>
                         </m:sub>
                       </m:sSub>
@@ -5130,7 +5130,7 @@
                               <a:latin typeface="Cambria Math" panose="02040503050406030204" pitchFamily="18" charset="0"/>
                               <a:cs typeface="Times New Roman" panose="02020603050405020304" pitchFamily="18" charset="0"/>
                             </a:rPr>
-                            <m:t>3</m:t>
+                            <m:t>4</m:t>
                           </m:r>
                         </m:sub>
                       </m:sSub>
@@ -5272,7 +5272,7 @@
                               <a:latin typeface="Cambria Math" panose="02040503050406030204" pitchFamily="18" charset="0"/>
                               <a:cs typeface="Times New Roman" panose="02020603050405020304" pitchFamily="18" charset="0"/>
                             </a:rPr>
-                            <m:t>3</m:t>
+                            <m:t>4</m:t>
                           </m:r>
                         </m:sub>
                       </m:sSub>
@@ -5577,7 +5577,7 @@
             <p:spPr>
               <a:xfrm>
                 <a:off x="3122151" y="3517967"/>
-                <a:ext cx="1094171" cy="338554"/>
+                <a:ext cx="1226476" cy="338554"/>
               </a:xfrm>
               <a:prstGeom prst="rect">
                 <a:avLst/>
@@ -5635,7 +5635,7 @@
                               <a:latin typeface="Cambria Math" panose="02040503050406030204" pitchFamily="18" charset="0"/>
                               <a:cs typeface="Times New Roman" panose="02020603050405020304" pitchFamily="18" charset="0"/>
                             </a:rPr>
-                            <m:t>1</m:t>
+                            <m:t>2</m:t>
                           </m:r>
                         </m:sub>
                       </m:sSub>
@@ -5675,7 +5675,7 @@
             <p:spPr>
               <a:xfrm>
                 <a:off x="3122151" y="3517967"/>
-                <a:ext cx="1094171" cy="338554"/>
+                <a:ext cx="1226476" cy="338554"/>
               </a:xfrm>
               <a:prstGeom prst="rect">
                 <a:avLst/>
@@ -5777,7 +5777,7 @@
                               <a:latin typeface="Cambria Math" panose="02040503050406030204" pitchFamily="18" charset="0"/>
                               <a:cs typeface="Times New Roman" panose="02020603050405020304" pitchFamily="18" charset="0"/>
                             </a:rPr>
-                            <m:t>1</m:t>
+                            <m:t>2</m:t>
                           </m:r>
                         </m:sub>
                       </m:sSub>
@@ -5819,7 +5819,7 @@
                               <a:latin typeface="Cambria Math" panose="02040503050406030204" pitchFamily="18" charset="0"/>
                               <a:cs typeface="Times New Roman" panose="02020603050405020304" pitchFamily="18" charset="0"/>
                             </a:rPr>
-                            <m:t>2</m:t>
+                            <m:t>3</m:t>
                           </m:r>
                         </m:sub>
                       </m:sSub>
@@ -5961,7 +5961,7 @@
                               <a:latin typeface="Cambria Math" panose="02040503050406030204" pitchFamily="18" charset="0"/>
                               <a:cs typeface="Times New Roman" panose="02020603050405020304" pitchFamily="18" charset="0"/>
                             </a:rPr>
-                            <m:t>2</m:t>
+                            <m:t>3</m:t>
                           </m:r>
                         </m:sub>
                       </m:sSub>
@@ -5987,7 +5987,7 @@
                         <m:t>𝑚</m:t>
                       </m:r>
                       <m:r>
-                        <a:rPr lang="en-US" sz="1600" b="0" i="1" smtClean="0">
+                        <a:rPr lang="en-US" sz="1600" i="1">
                           <a:latin typeface="Cambria Math" panose="02040503050406030204" pitchFamily="18" charset="0"/>
                           <a:cs typeface="Times New Roman" panose="02020603050405020304" pitchFamily="18" charset="0"/>
                         </a:rPr>
@@ -6049,8 +6049,8 @@
           </p:sp>
         </mc:Fallback>
       </mc:AlternateContent>
-      <mc:AlternateContent xmlns:mc="http://schemas.openxmlformats.org/markup-compatibility/2006">
-        <mc:Choice xmlns:a14="http://schemas.microsoft.com/office/drawing/2010/main" Requires="a14">
+      <mc:AlternateContent xmlns:mc="http://schemas.openxmlformats.org/markup-compatibility/2006" xmlns:a14="http://schemas.microsoft.com/office/drawing/2010/main">
+        <mc:Choice Requires="a14">
           <p:sp>
             <p:nvSpPr>
               <p:cNvPr id="66" name="TextBox 65">
@@ -6108,14 +6108,7 @@
                               <a:latin typeface="Cambria Math" panose="02040503050406030204" pitchFamily="18" charset="0"/>
                               <a:cs typeface="Times New Roman" panose="02020603050405020304" pitchFamily="18" charset="0"/>
                             </a:rPr>
-                            <m:t>1</m:t>
-                          </m:r>
-                          <m:r>
-                            <a:rPr lang="en-US" sz="1600" b="0" i="1" smtClean="0">
-                              <a:latin typeface="Cambria Math" panose="02040503050406030204" pitchFamily="18" charset="0"/>
-                              <a:cs typeface="Times New Roman" panose="02020603050405020304" pitchFamily="18" charset="0"/>
-                            </a:rPr>
-                            <m:t>:</m:t>
+                            <m:t>1:</m:t>
                           </m:r>
                           <m:r>
                             <a:rPr lang="en-US" sz="1600" b="0" i="1" smtClean="0">
@@ -6137,7 +6130,7 @@
             </p:txBody>
           </p:sp>
         </mc:Choice>
-        <mc:Fallback>
+        <mc:Fallback xmlns="">
           <p:sp>
             <p:nvSpPr>
               <p:cNvPr id="66" name="TextBox 65">
@@ -6182,8 +6175,8 @@
           </p:sp>
         </mc:Fallback>
       </mc:AlternateContent>
-      <mc:AlternateContent xmlns:mc="http://schemas.openxmlformats.org/markup-compatibility/2006">
-        <mc:Choice xmlns:a14="http://schemas.microsoft.com/office/drawing/2010/main" Requires="a14">
+      <mc:AlternateContent xmlns:mc="http://schemas.openxmlformats.org/markup-compatibility/2006" xmlns:a14="http://schemas.microsoft.com/office/drawing/2010/main">
+        <mc:Choice Requires="a14">
           <p:sp>
             <p:nvSpPr>
               <p:cNvPr id="67" name="TextBox 66">
@@ -6272,7 +6265,7 @@
             </p:txBody>
           </p:sp>
         </mc:Choice>
-        <mc:Fallback>
+        <mc:Fallback xmlns="">
           <p:sp>
             <p:nvSpPr>
               <p:cNvPr id="67" name="TextBox 66">
